--- a/Office Docs/2 Displaying Text.pptx
+++ b/Office Docs/2 Displaying Text.pptx
@@ -5,7 +5,7 @@
     <p:sldMasterId id="2147483660" r:id="rId1"/>
   </p:sldMasterIdLst>
   <p:notesMasterIdLst>
-    <p:notesMasterId r:id="rId20"/>
+    <p:notesMasterId r:id="rId23"/>
   </p:notesMasterIdLst>
   <p:sldIdLst>
     <p:sldId id="258" r:id="rId2"/>
@@ -13,19 +13,22 @@
     <p:sldId id="435" r:id="rId4"/>
     <p:sldId id="340" r:id="rId5"/>
     <p:sldId id="439" r:id="rId6"/>
-    <p:sldId id="341" r:id="rId7"/>
-    <p:sldId id="339" r:id="rId8"/>
-    <p:sldId id="343" r:id="rId9"/>
-    <p:sldId id="345" r:id="rId10"/>
-    <p:sldId id="440" r:id="rId11"/>
-    <p:sldId id="344" r:id="rId12"/>
-    <p:sldId id="259" r:id="rId13"/>
-    <p:sldId id="441" r:id="rId14"/>
-    <p:sldId id="436" r:id="rId15"/>
-    <p:sldId id="354" r:id="rId16"/>
-    <p:sldId id="437" r:id="rId17"/>
-    <p:sldId id="438" r:id="rId18"/>
-    <p:sldId id="442" r:id="rId19"/>
+    <p:sldId id="443" r:id="rId7"/>
+    <p:sldId id="341" r:id="rId8"/>
+    <p:sldId id="339" r:id="rId9"/>
+    <p:sldId id="343" r:id="rId10"/>
+    <p:sldId id="345" r:id="rId11"/>
+    <p:sldId id="440" r:id="rId12"/>
+    <p:sldId id="444" r:id="rId13"/>
+    <p:sldId id="344" r:id="rId14"/>
+    <p:sldId id="259" r:id="rId15"/>
+    <p:sldId id="441" r:id="rId16"/>
+    <p:sldId id="445" r:id="rId17"/>
+    <p:sldId id="436" r:id="rId18"/>
+    <p:sldId id="354" r:id="rId19"/>
+    <p:sldId id="437" r:id="rId20"/>
+    <p:sldId id="438" r:id="rId21"/>
+    <p:sldId id="442" r:id="rId22"/>
   </p:sldIdLst>
   <p:sldSz cx="12192000" cy="6858000"/>
   <p:notesSz cx="6858000" cy="9144000"/>
@@ -134,14 +137,17 @@
             <p14:sldId id="435"/>
             <p14:sldId id="340"/>
             <p14:sldId id="439"/>
+            <p14:sldId id="443"/>
             <p14:sldId id="341"/>
             <p14:sldId id="339"/>
             <p14:sldId id="343"/>
             <p14:sldId id="345"/>
             <p14:sldId id="440"/>
+            <p14:sldId id="444"/>
             <p14:sldId id="344"/>
             <p14:sldId id="259"/>
             <p14:sldId id="441"/>
+            <p14:sldId id="445"/>
             <p14:sldId id="436"/>
             <p14:sldId id="354"/>
             <p14:sldId id="437"/>
@@ -246,7 +252,7 @@
           <a:p>
             <a:fld id="{A9DDBD42-E139-45FA-9C16-1611187CAC3F}" type="datetimeFigureOut">
               <a:rPr lang="en-US" smtClean="0"/>
-              <a:t>9/18/2014</a:t>
+              <a:t>9/23/2014</a:t>
             </a:fld>
             <a:endParaRPr lang="en-US"/>
           </a:p>
@@ -663,7 +669,7 @@
           <a:p>
             <a:fld id="{906AB01E-7BD7-442B-8A6B-D31FAFDAE830}" type="slidenum">
               <a:rPr lang="en-US" smtClean="0"/>
-              <a:t>10</a:t>
+              <a:t>11</a:t>
             </a:fld>
             <a:endParaRPr lang="en-US"/>
           </a:p>
@@ -747,7 +753,7 @@
           <a:p>
             <a:fld id="{906AB01E-7BD7-442B-8A6B-D31FAFDAE830}" type="slidenum">
               <a:rPr lang="en-US" smtClean="0"/>
-              <a:t>11</a:t>
+              <a:t>13</a:t>
             </a:fld>
             <a:endParaRPr lang="en-US"/>
           </a:p>
@@ -831,7 +837,7 @@
           <a:p>
             <a:fld id="{906AB01E-7BD7-442B-8A6B-D31FAFDAE830}" type="slidenum">
               <a:rPr lang="en-US" smtClean="0"/>
-              <a:t>12</a:t>
+              <a:t>14</a:t>
             </a:fld>
             <a:endParaRPr lang="en-US"/>
           </a:p>
@@ -915,7 +921,7 @@
           <a:p>
             <a:fld id="{906AB01E-7BD7-442B-8A6B-D31FAFDAE830}" type="slidenum">
               <a:rPr lang="en-US" smtClean="0"/>
-              <a:t>13</a:t>
+              <a:t>15</a:t>
             </a:fld>
             <a:endParaRPr lang="en-US"/>
           </a:p>
@@ -999,7 +1005,7 @@
           <a:p>
             <a:fld id="{906AB01E-7BD7-442B-8A6B-D31FAFDAE830}" type="slidenum">
               <a:rPr lang="en-US" smtClean="0"/>
-              <a:t>14</a:t>
+              <a:t>17</a:t>
             </a:fld>
             <a:endParaRPr lang="en-US"/>
           </a:p>
@@ -1083,7 +1089,7 @@
           <a:p>
             <a:fld id="{906AB01E-7BD7-442B-8A6B-D31FAFDAE830}" type="slidenum">
               <a:rPr lang="en-US" smtClean="0"/>
-              <a:t>15</a:t>
+              <a:t>18</a:t>
             </a:fld>
             <a:endParaRPr lang="en-US"/>
           </a:p>
@@ -1167,7 +1173,7 @@
           <a:p>
             <a:fld id="{906AB01E-7BD7-442B-8A6B-D31FAFDAE830}" type="slidenum">
               <a:rPr lang="en-US" smtClean="0"/>
-              <a:t>16</a:t>
+              <a:t>19</a:t>
             </a:fld>
             <a:endParaRPr lang="en-US"/>
           </a:p>
@@ -1251,7 +1257,7 @@
           <a:p>
             <a:fld id="{906AB01E-7BD7-442B-8A6B-D31FAFDAE830}" type="slidenum">
               <a:rPr lang="en-US" smtClean="0"/>
-              <a:t>17</a:t>
+              <a:t>20</a:t>
             </a:fld>
             <a:endParaRPr lang="en-US"/>
           </a:p>
@@ -1671,7 +1677,7 @@
           <a:p>
             <a:fld id="{906AB01E-7BD7-442B-8A6B-D31FAFDAE830}" type="slidenum">
               <a:rPr lang="en-US" smtClean="0"/>
-              <a:t>6</a:t>
+              <a:t>7</a:t>
             </a:fld>
             <a:endParaRPr lang="en-US"/>
           </a:p>
@@ -1755,7 +1761,7 @@
           <a:p>
             <a:fld id="{906AB01E-7BD7-442B-8A6B-D31FAFDAE830}" type="slidenum">
               <a:rPr lang="en-US" smtClean="0"/>
-              <a:t>7</a:t>
+              <a:t>8</a:t>
             </a:fld>
             <a:endParaRPr lang="en-US"/>
           </a:p>
@@ -1839,7 +1845,7 @@
           <a:p>
             <a:fld id="{906AB01E-7BD7-442B-8A6B-D31FAFDAE830}" type="slidenum">
               <a:rPr lang="en-US" smtClean="0"/>
-              <a:t>8</a:t>
+              <a:t>9</a:t>
             </a:fld>
             <a:endParaRPr lang="en-US"/>
           </a:p>
@@ -1923,7 +1929,7 @@
           <a:p>
             <a:fld id="{906AB01E-7BD7-442B-8A6B-D31FAFDAE830}" type="slidenum">
               <a:rPr lang="en-US" smtClean="0"/>
-              <a:t>9</a:t>
+              <a:t>10</a:t>
             </a:fld>
             <a:endParaRPr lang="en-US"/>
           </a:p>
@@ -4559,11 +4565,7 @@
           <a:p>
             <a:r>
               <a:rPr lang="en-CA" dirty="0" smtClean="0"/>
-              <a:t>Displaying </a:t>
-            </a:r>
-            <a:r>
-              <a:rPr lang="en-CA" dirty="0" smtClean="0"/>
-              <a:t>text</a:t>
+              <a:t>Displaying text</a:t>
             </a:r>
           </a:p>
           <a:p>
@@ -4651,6 +4653,572 @@
             <p:ph type="title"/>
           </p:nvPr>
         </p:nvSpPr>
+        <p:spPr>
+          <a:xfrm>
+            <a:off x="838200" y="365126"/>
+            <a:ext cx="10515599" cy="893832"/>
+          </a:xfrm>
+        </p:spPr>
+        <p:txBody>
+          <a:bodyPr/>
+          <a:lstStyle/>
+          <a:p>
+            <a:r>
+              <a:rPr lang="en-CA" dirty="0" smtClean="0"/>
+              <a:t>Here’s a neat Python trick: triple quotes!</a:t>
+            </a:r>
+            <a:endParaRPr lang="en-US" dirty="0"/>
+          </a:p>
+        </p:txBody>
+      </p:sp>
+      <p:sp>
+        <p:nvSpPr>
+          <p:cNvPr id="6" name="Rectangle 1"/>
+          <p:cNvSpPr>
+            <a:spLocks noGrp="1" noChangeArrowheads="1"/>
+          </p:cNvSpPr>
+          <p:nvPr>
+            <p:ph sz="quarter" idx="10"/>
+          </p:nvPr>
+        </p:nvSpPr>
+        <p:spPr bwMode="auto">
+          <a:xfrm>
+            <a:off x="838200" y="2080882"/>
+            <a:ext cx="6914322" cy="954107"/>
+          </a:xfrm>
+          <a:prstGeom prst="rect">
+            <a:avLst/>
+          </a:prstGeom>
+          <a:solidFill>
+            <a:srgbClr val="FFFFFF"/>
+          </a:solidFill>
+          <a:ln>
+            <a:noFill/>
+          </a:ln>
+          <a:effectLst/>
+          <a:extLst>
+            <a:ext uri="{91240B29-F687-4F45-9708-019B960494DF}">
+              <a14:hiddenLine xmlns:a14="http://schemas.microsoft.com/office/drawing/2010/main" w="9525">
+                <a:solidFill>
+                  <a:schemeClr val="tx1"/>
+                </a:solidFill>
+                <a:miter lim="800000"/>
+                <a:headEnd/>
+                <a:tailEnd/>
+              </a14:hiddenLine>
+            </a:ext>
+            <a:ext uri="{AF507438-7753-43E0-B8FC-AC1667EBCBE1}">
+              <a14:hiddenEffects xmlns:a14="http://schemas.microsoft.com/office/drawing/2010/main">
+                <a:effectLst>
+                  <a:outerShdw dist="35921" dir="2700000" algn="ctr" rotWithShape="0">
+                    <a:schemeClr val="bg2"/>
+                  </a:outerShdw>
+                </a:effectLst>
+              </a14:hiddenEffects>
+            </a:ext>
+          </a:extLst>
+        </p:spPr>
+        <p:txBody>
+          <a:bodyPr vert="horz" wrap="square" lIns="91440" tIns="45720" rIns="91440" bIns="45720" numCol="1" anchor="ctr" anchorCtr="0" compatLnSpc="1">
+            <a:prstTxWarp prst="textNoShape">
+              <a:avLst/>
+            </a:prstTxWarp>
+            <a:spAutoFit/>
+          </a:bodyPr>
+          <a:lstStyle/>
+          <a:p>
+            <a:pPr marL="0" marR="0" lvl="0" indent="0" algn="l" defTabSz="914400" rtl="0" eaLnBrk="0" fontAlgn="base" latinLnBrk="0" hangingPunct="0">
+              <a:lnSpc>
+                <a:spcPct val="100000"/>
+              </a:lnSpc>
+              <a:spcBef>
+                <a:spcPct val="0"/>
+              </a:spcBef>
+              <a:spcAft>
+                <a:spcPct val="0"/>
+              </a:spcAft>
+              <a:buClrTx/>
+              <a:buSzTx/>
+              <a:buFontTx/>
+              <a:buNone/>
+              <a:tabLst/>
+            </a:pPr>
+            <a:r>
+              <a:rPr kumimoji="0" lang="en-US" altLang="en-US" sz="2800" b="0" i="0" u="none" strike="noStrike" cap="none" normalizeH="0" baseline="0" dirty="0" smtClean="0">
+                <a:ln>
+                  <a:noFill/>
+                </a:ln>
+                <a:solidFill>
+                  <a:srgbClr val="0000FF"/>
+                </a:solidFill>
+                <a:effectLst/>
+                <a:latin typeface="Consolas" panose="020B0609020204030204" pitchFamily="49" charset="0"/>
+                <a:cs typeface="Consolas" panose="020B0609020204030204" pitchFamily="49" charset="0"/>
+              </a:rPr>
+              <a:t>print</a:t>
+            </a:r>
+            <a:r>
+              <a:rPr kumimoji="0" lang="en-US" altLang="en-US" sz="2800" b="0" i="0" u="none" strike="noStrike" cap="none" normalizeH="0" baseline="0" dirty="0" smtClean="0">
+                <a:ln>
+                  <a:noFill/>
+                </a:ln>
+                <a:solidFill>
+                  <a:srgbClr val="000000"/>
+                </a:solidFill>
+                <a:effectLst/>
+                <a:latin typeface="Consolas" panose="020B0609020204030204" pitchFamily="49" charset="0"/>
+                <a:cs typeface="Consolas" panose="020B0609020204030204" pitchFamily="49" charset="0"/>
+              </a:rPr>
+              <a:t>(</a:t>
+            </a:r>
+            <a:r>
+              <a:rPr kumimoji="0" lang="en-US" altLang="en-US" sz="2800" b="0" i="0" u="none" strike="noStrike" cap="none" normalizeH="0" baseline="0" dirty="0" smtClean="0">
+                <a:ln>
+                  <a:noFill/>
+                </a:ln>
+                <a:solidFill>
+                  <a:srgbClr val="A31515"/>
+                </a:solidFill>
+                <a:effectLst/>
+                <a:latin typeface="Consolas" panose="020B0609020204030204" pitchFamily="49" charset="0"/>
+                <a:cs typeface="Consolas" panose="020B0609020204030204" pitchFamily="49" charset="0"/>
+              </a:rPr>
+              <a:t>"""Hickory </a:t>
+            </a:r>
+            <a:r>
+              <a:rPr kumimoji="0" lang="en-US" altLang="en-US" sz="2800" b="0" i="0" u="none" strike="noStrike" cap="none" normalizeH="0" baseline="0" dirty="0" err="1" smtClean="0">
+                <a:ln>
+                  <a:noFill/>
+                </a:ln>
+                <a:solidFill>
+                  <a:srgbClr val="A31515"/>
+                </a:solidFill>
+                <a:effectLst/>
+                <a:latin typeface="Consolas" panose="020B0609020204030204" pitchFamily="49" charset="0"/>
+                <a:cs typeface="Consolas" panose="020B0609020204030204" pitchFamily="49" charset="0"/>
+              </a:rPr>
+              <a:t>Dickory</a:t>
+            </a:r>
+            <a:r>
+              <a:rPr kumimoji="0" lang="en-US" altLang="en-US" sz="2800" b="0" i="0" u="none" strike="noStrike" cap="none" normalizeH="0" baseline="0" dirty="0" smtClean="0">
+                <a:ln>
+                  <a:noFill/>
+                </a:ln>
+                <a:solidFill>
+                  <a:srgbClr val="A31515"/>
+                </a:solidFill>
+                <a:effectLst/>
+                <a:latin typeface="Consolas" panose="020B0609020204030204" pitchFamily="49" charset="0"/>
+                <a:cs typeface="Consolas" panose="020B0609020204030204" pitchFamily="49" charset="0"/>
+              </a:rPr>
+              <a:t> Dock! </a:t>
+            </a:r>
+          </a:p>
+          <a:p>
+            <a:pPr marL="0" marR="0" lvl="0" indent="0" algn="l" defTabSz="914400" rtl="0" eaLnBrk="0" fontAlgn="base" latinLnBrk="0" hangingPunct="0">
+              <a:lnSpc>
+                <a:spcPct val="100000"/>
+              </a:lnSpc>
+              <a:spcBef>
+                <a:spcPct val="0"/>
+              </a:spcBef>
+              <a:spcAft>
+                <a:spcPct val="0"/>
+              </a:spcAft>
+              <a:buClrTx/>
+              <a:buSzTx/>
+              <a:buFontTx/>
+              <a:buNone/>
+              <a:tabLst/>
+            </a:pPr>
+            <a:r>
+              <a:rPr kumimoji="0" lang="en-US" altLang="en-US" sz="2800" b="0" i="0" u="none" strike="noStrike" cap="none" normalizeH="0" baseline="0" dirty="0" smtClean="0">
+                <a:ln>
+                  <a:noFill/>
+                </a:ln>
+                <a:solidFill>
+                  <a:srgbClr val="A31515"/>
+                </a:solidFill>
+                <a:effectLst/>
+                <a:latin typeface="Consolas" panose="020B0609020204030204" pitchFamily="49" charset="0"/>
+                <a:cs typeface="Consolas" panose="020B0609020204030204" pitchFamily="49" charset="0"/>
+              </a:rPr>
+              <a:t>The mouse ran up the clock"""</a:t>
+            </a:r>
+            <a:r>
+              <a:rPr kumimoji="0" lang="en-US" altLang="en-US" sz="2800" b="0" i="0" u="none" strike="noStrike" cap="none" normalizeH="0" baseline="0" dirty="0" smtClean="0">
+                <a:ln>
+                  <a:noFill/>
+                </a:ln>
+                <a:solidFill>
+                  <a:srgbClr val="000000"/>
+                </a:solidFill>
+                <a:effectLst/>
+                <a:latin typeface="Consolas" panose="020B0609020204030204" pitchFamily="49" charset="0"/>
+                <a:cs typeface="Consolas" panose="020B0609020204030204" pitchFamily="49" charset="0"/>
+              </a:rPr>
+              <a:t>)</a:t>
+            </a:r>
+            <a:endParaRPr kumimoji="0" lang="en-US" altLang="en-US" sz="2800" b="0" i="0" u="none" strike="noStrike" cap="none" normalizeH="0" baseline="0" dirty="0" smtClean="0">
+              <a:ln>
+                <a:noFill/>
+              </a:ln>
+              <a:solidFill>
+                <a:schemeClr val="tx1"/>
+              </a:solidFill>
+              <a:effectLst/>
+              <a:latin typeface="Arial" panose="020B0604020202020204" pitchFamily="34" charset="0"/>
+            </a:endParaRPr>
+          </a:p>
+        </p:txBody>
+      </p:sp>
+      <p:sp>
+        <p:nvSpPr>
+          <p:cNvPr id="8" name="TextBox 7"/>
+          <p:cNvSpPr txBox="1"/>
+          <p:nvPr/>
+        </p:nvSpPr>
+        <p:spPr>
+          <a:xfrm>
+            <a:off x="838198" y="5185057"/>
+            <a:ext cx="10515601" cy="954107"/>
+          </a:xfrm>
+          <a:prstGeom prst="rect">
+            <a:avLst/>
+          </a:prstGeom>
+          <a:noFill/>
+        </p:spPr>
+        <p:txBody>
+          <a:bodyPr wrap="square" rtlCol="0">
+            <a:spAutoFit/>
+          </a:bodyPr>
+          <a:lstStyle/>
+          <a:p>
+            <a:r>
+              <a:rPr lang="en-CA" sz="2800" dirty="0" smtClean="0"/>
+              <a:t>When you put the string in triple quotes, it will be displayed the way you have the string in the text editor</a:t>
+            </a:r>
+            <a:endParaRPr lang="en-US" sz="2800" dirty="0"/>
+          </a:p>
+        </p:txBody>
+      </p:sp>
+      <p:sp>
+        <p:nvSpPr>
+          <p:cNvPr id="9" name="Rectangle 2"/>
+          <p:cNvSpPr>
+            <a:spLocks noChangeArrowheads="1"/>
+          </p:cNvSpPr>
+          <p:nvPr/>
+        </p:nvSpPr>
+        <p:spPr bwMode="auto">
+          <a:xfrm>
+            <a:off x="838198" y="3155915"/>
+            <a:ext cx="7315201" cy="954107"/>
+          </a:xfrm>
+          <a:prstGeom prst="rect">
+            <a:avLst/>
+          </a:prstGeom>
+          <a:solidFill>
+            <a:srgbClr val="FFFFFF"/>
+          </a:solidFill>
+          <a:ln>
+            <a:noFill/>
+          </a:ln>
+          <a:effectLst/>
+          <a:extLst>
+            <a:ext uri="{91240B29-F687-4F45-9708-019B960494DF}">
+              <a14:hiddenLine xmlns:a14="http://schemas.microsoft.com/office/drawing/2010/main" w="9525">
+                <a:solidFill>
+                  <a:schemeClr val="tx1"/>
+                </a:solidFill>
+                <a:miter lim="800000"/>
+                <a:headEnd/>
+                <a:tailEnd/>
+              </a14:hiddenLine>
+            </a:ext>
+            <a:ext uri="{AF507438-7753-43E0-B8FC-AC1667EBCBE1}">
+              <a14:hiddenEffects xmlns:a14="http://schemas.microsoft.com/office/drawing/2010/main">
+                <a:effectLst>
+                  <a:outerShdw dist="35921" dir="2700000" algn="ctr" rotWithShape="0">
+                    <a:schemeClr val="bg2"/>
+                  </a:outerShdw>
+                </a:effectLst>
+              </a14:hiddenEffects>
+            </a:ext>
+          </a:extLst>
+        </p:spPr>
+        <p:txBody>
+          <a:bodyPr vert="horz" wrap="square" lIns="91440" tIns="45720" rIns="91440" bIns="45720" numCol="1" anchor="ctr" anchorCtr="0" compatLnSpc="1">
+            <a:prstTxWarp prst="textNoShape">
+              <a:avLst/>
+            </a:prstTxWarp>
+            <a:spAutoFit/>
+          </a:bodyPr>
+          <a:lstStyle/>
+          <a:p>
+            <a:pPr marL="0" marR="0" lvl="0" indent="0" algn="l" defTabSz="914400" rtl="0" eaLnBrk="0" fontAlgn="base" latinLnBrk="0" hangingPunct="0">
+              <a:lnSpc>
+                <a:spcPct val="100000"/>
+              </a:lnSpc>
+              <a:spcBef>
+                <a:spcPct val="0"/>
+              </a:spcBef>
+              <a:spcAft>
+                <a:spcPct val="0"/>
+              </a:spcAft>
+              <a:buClrTx/>
+              <a:buSzTx/>
+              <a:buFontTx/>
+              <a:buNone/>
+              <a:tabLst/>
+            </a:pPr>
+            <a:r>
+              <a:rPr kumimoji="0" lang="en-US" altLang="en-US" sz="2800" b="0" i="0" u="none" strike="noStrike" cap="none" normalizeH="0" baseline="0" dirty="0" smtClean="0">
+                <a:ln>
+                  <a:noFill/>
+                </a:ln>
+                <a:solidFill>
+                  <a:srgbClr val="0000FF"/>
+                </a:solidFill>
+                <a:effectLst/>
+                <a:latin typeface="Consolas" panose="020B0609020204030204" pitchFamily="49" charset="0"/>
+                <a:cs typeface="Consolas" panose="020B0609020204030204" pitchFamily="49" charset="0"/>
+              </a:rPr>
+              <a:t>print</a:t>
+            </a:r>
+            <a:r>
+              <a:rPr kumimoji="0" lang="en-US" altLang="en-US" sz="2800" b="0" i="0" u="none" strike="noStrike" cap="none" normalizeH="0" baseline="0" dirty="0" smtClean="0">
+                <a:ln>
+                  <a:noFill/>
+                </a:ln>
+                <a:solidFill>
+                  <a:srgbClr val="000000"/>
+                </a:solidFill>
+                <a:effectLst/>
+                <a:latin typeface="Consolas" panose="020B0609020204030204" pitchFamily="49" charset="0"/>
+                <a:cs typeface="Consolas" panose="020B0609020204030204" pitchFamily="49" charset="0"/>
+              </a:rPr>
+              <a:t>(</a:t>
+            </a:r>
+            <a:r>
+              <a:rPr kumimoji="0" lang="en-US" altLang="en-US" sz="2800" b="0" i="0" u="none" strike="noStrike" cap="none" normalizeH="0" baseline="0" dirty="0" smtClean="0">
+                <a:ln>
+                  <a:noFill/>
+                </a:ln>
+                <a:solidFill>
+                  <a:srgbClr val="A31515"/>
+                </a:solidFill>
+                <a:effectLst/>
+                <a:latin typeface="Consolas" panose="020B0609020204030204" pitchFamily="49" charset="0"/>
+                <a:cs typeface="Consolas" panose="020B0609020204030204" pitchFamily="49" charset="0"/>
+              </a:rPr>
+              <a:t>'''Hickory </a:t>
+            </a:r>
+            <a:r>
+              <a:rPr kumimoji="0" lang="en-US" altLang="en-US" sz="2800" b="0" i="0" u="none" strike="noStrike" cap="none" normalizeH="0" baseline="0" dirty="0" err="1" smtClean="0">
+                <a:ln>
+                  <a:noFill/>
+                </a:ln>
+                <a:solidFill>
+                  <a:srgbClr val="A31515"/>
+                </a:solidFill>
+                <a:effectLst/>
+                <a:latin typeface="Consolas" panose="020B0609020204030204" pitchFamily="49" charset="0"/>
+                <a:cs typeface="Consolas" panose="020B0609020204030204" pitchFamily="49" charset="0"/>
+              </a:rPr>
+              <a:t>Dickory</a:t>
+            </a:r>
+            <a:r>
+              <a:rPr kumimoji="0" lang="en-US" altLang="en-US" sz="2800" b="0" i="0" u="none" strike="noStrike" cap="none" normalizeH="0" baseline="0" dirty="0" smtClean="0">
+                <a:ln>
+                  <a:noFill/>
+                </a:ln>
+                <a:solidFill>
+                  <a:srgbClr val="A31515"/>
+                </a:solidFill>
+                <a:effectLst/>
+                <a:latin typeface="Consolas" panose="020B0609020204030204" pitchFamily="49" charset="0"/>
+                <a:cs typeface="Consolas" panose="020B0609020204030204" pitchFamily="49" charset="0"/>
+              </a:rPr>
+              <a:t> Dock!</a:t>
+            </a:r>
+          </a:p>
+          <a:p>
+            <a:pPr marL="0" marR="0" lvl="0" indent="0" algn="l" defTabSz="914400" rtl="0" eaLnBrk="0" fontAlgn="base" latinLnBrk="0" hangingPunct="0">
+              <a:lnSpc>
+                <a:spcPct val="100000"/>
+              </a:lnSpc>
+              <a:spcBef>
+                <a:spcPct val="0"/>
+              </a:spcBef>
+              <a:spcAft>
+                <a:spcPct val="0"/>
+              </a:spcAft>
+              <a:buClrTx/>
+              <a:buSzTx/>
+              <a:buFontTx/>
+              <a:buNone/>
+              <a:tabLst/>
+            </a:pPr>
+            <a:r>
+              <a:rPr kumimoji="0" lang="en-US" altLang="en-US" sz="2800" b="0" i="0" u="none" strike="noStrike" cap="none" normalizeH="0" baseline="0" dirty="0" smtClean="0">
+                <a:ln>
+                  <a:noFill/>
+                </a:ln>
+                <a:solidFill>
+                  <a:srgbClr val="A31515"/>
+                </a:solidFill>
+                <a:effectLst/>
+                <a:latin typeface="Consolas" panose="020B0609020204030204" pitchFamily="49" charset="0"/>
+                <a:cs typeface="Consolas" panose="020B0609020204030204" pitchFamily="49" charset="0"/>
+              </a:rPr>
+              <a:t>The mouse ran up the clock'''</a:t>
+            </a:r>
+            <a:r>
+              <a:rPr kumimoji="0" lang="en-US" altLang="en-US" sz="2800" b="0" i="0" u="none" strike="noStrike" cap="none" normalizeH="0" baseline="0" dirty="0" smtClean="0">
+                <a:ln>
+                  <a:noFill/>
+                </a:ln>
+                <a:solidFill>
+                  <a:srgbClr val="000000"/>
+                </a:solidFill>
+                <a:effectLst/>
+                <a:latin typeface="Consolas" panose="020B0609020204030204" pitchFamily="49" charset="0"/>
+                <a:cs typeface="Consolas" panose="020B0609020204030204" pitchFamily="49" charset="0"/>
+              </a:rPr>
+              <a:t>)</a:t>
+            </a:r>
+            <a:endParaRPr kumimoji="0" lang="en-US" altLang="en-US" sz="2800" b="0" i="0" u="none" strike="noStrike" cap="none" normalizeH="0" baseline="0" dirty="0" smtClean="0">
+              <a:ln>
+                <a:noFill/>
+              </a:ln>
+              <a:solidFill>
+                <a:schemeClr val="tx1"/>
+              </a:solidFill>
+              <a:effectLst/>
+              <a:latin typeface="Arial" panose="020B0604020202020204" pitchFamily="34" charset="0"/>
+            </a:endParaRPr>
+          </a:p>
+        </p:txBody>
+      </p:sp>
+    </p:spTree>
+    <p:extLst>
+      <p:ext uri="{BB962C8B-B14F-4D97-AF65-F5344CB8AC3E}">
+        <p14:creationId xmlns:p14="http://schemas.microsoft.com/office/powerpoint/2010/main" val="2040331874"/>
+      </p:ext>
+    </p:extLst>
+  </p:cSld>
+  <p:clrMapOvr>
+    <a:masterClrMapping/>
+  </p:clrMapOvr>
+  <p:timing>
+    <p:tnLst>
+      <p:par>
+        <p:cTn id="1" dur="indefinite" restart="never" nodeType="tmRoot">
+          <p:childTnLst>
+            <p:seq concurrent="1" nextAc="seek">
+              <p:cTn id="2" dur="indefinite" nodeType="mainSeq">
+                <p:childTnLst>
+                  <p:par>
+                    <p:cTn id="3" fill="hold">
+                      <p:stCondLst>
+                        <p:cond delay="indefinite"/>
+                      </p:stCondLst>
+                      <p:childTnLst>
+                        <p:par>
+                          <p:cTn id="4" fill="hold">
+                            <p:stCondLst>
+                              <p:cond delay="0"/>
+                            </p:stCondLst>
+                            <p:childTnLst>
+                              <p:par>
+                                <p:cTn id="5" presetID="1" presetClass="entr" presetSubtype="0" fill="hold" grpId="0" nodeType="clickEffect">
+                                  <p:stCondLst>
+                                    <p:cond delay="0"/>
+                                  </p:stCondLst>
+                                  <p:childTnLst>
+                                    <p:set>
+                                      <p:cBhvr>
+                                        <p:cTn id="6" dur="1" fill="hold">
+                                          <p:stCondLst>
+                                            <p:cond delay="0"/>
+                                          </p:stCondLst>
+                                        </p:cTn>
+                                        <p:tgtEl>
+                                          <p:spTgt spid="8"/>
+                                        </p:tgtEl>
+                                        <p:attrNameLst>
+                                          <p:attrName>style.visibility</p:attrName>
+                                        </p:attrNameLst>
+                                      </p:cBhvr>
+                                      <p:to>
+                                        <p:strVal val="visible"/>
+                                      </p:to>
+                                    </p:set>
+                                  </p:childTnLst>
+                                </p:cTn>
+                              </p:par>
+                            </p:childTnLst>
+                          </p:cTn>
+                        </p:par>
+                      </p:childTnLst>
+                    </p:cTn>
+                  </p:par>
+                </p:childTnLst>
+              </p:cTn>
+              <p:prevCondLst>
+                <p:cond evt="onPrev" delay="0">
+                  <p:tgtEl>
+                    <p:sldTgt/>
+                  </p:tgtEl>
+                </p:cond>
+              </p:prevCondLst>
+              <p:nextCondLst>
+                <p:cond evt="onNext" delay="0">
+                  <p:tgtEl>
+                    <p:sldTgt/>
+                  </p:tgtEl>
+                </p:cond>
+              </p:nextCondLst>
+            </p:seq>
+          </p:childTnLst>
+        </p:cTn>
+      </p:par>
+    </p:tnLst>
+    <p:bldLst>
+      <p:bldP spid="8" grpId="0"/>
+    </p:bldLst>
+  </p:timing>
+</p:sld>
+</file>
+
+<file path=ppt/slides/slide11.xml><?xml version="1.0" encoding="utf-8"?>
+<p:sld xmlns:a="http://schemas.openxmlformats.org/drawingml/2006/main" xmlns:r="http://schemas.openxmlformats.org/officeDocument/2006/relationships" xmlns:p="http://schemas.openxmlformats.org/presentationml/2006/main">
+  <p:cSld>
+    <p:spTree>
+      <p:nvGrpSpPr>
+        <p:cNvPr id="1" name=""/>
+        <p:cNvGrpSpPr/>
+        <p:nvPr/>
+      </p:nvGrpSpPr>
+      <p:grpSpPr>
+        <a:xfrm>
+          <a:off x="0" y="0"/>
+          <a:ext cx="0" cy="0"/>
+          <a:chOff x="0" y="0"/>
+          <a:chExt cx="0" cy="0"/>
+        </a:xfrm>
+      </p:grpSpPr>
+      <p:sp>
+        <p:nvSpPr>
+          <p:cNvPr id="2" name="Title 1"/>
+          <p:cNvSpPr>
+            <a:spLocks noGrp="1"/>
+          </p:cNvSpPr>
+          <p:nvPr>
+            <p:ph type="title"/>
+          </p:nvPr>
+        </p:nvSpPr>
         <p:spPr/>
         <p:txBody>
           <a:bodyPr/>
@@ -4676,7 +5244,79 @@
 </p:sld>
 </file>
 
-<file path=ppt/slides/slide11.xml><?xml version="1.0" encoding="utf-8"?>
+<file path=ppt/slides/slide12.xml><?xml version="1.0" encoding="utf-8"?>
+<p:sld xmlns:a="http://schemas.openxmlformats.org/drawingml/2006/main" xmlns:r="http://schemas.openxmlformats.org/officeDocument/2006/relationships" xmlns:p="http://schemas.openxmlformats.org/presentationml/2006/main">
+  <p:cSld>
+    <p:spTree>
+      <p:nvGrpSpPr>
+        <p:cNvPr id="1" name=""/>
+        <p:cNvGrpSpPr/>
+        <p:nvPr/>
+      </p:nvGrpSpPr>
+      <p:grpSpPr>
+        <a:xfrm>
+          <a:off x="0" y="0"/>
+          <a:ext cx="0" cy="0"/>
+          <a:chOff x="0" y="0"/>
+          <a:chExt cx="0" cy="0"/>
+        </a:xfrm>
+      </p:grpSpPr>
+      <p:sp>
+        <p:nvSpPr>
+          <p:cNvPr id="4" name="Text Placeholder 3"/>
+          <p:cNvSpPr>
+            <a:spLocks noGrp="1"/>
+          </p:cNvSpPr>
+          <p:nvPr>
+            <p:ph type="body" sz="quarter" idx="10"/>
+          </p:nvPr>
+        </p:nvSpPr>
+        <p:spPr/>
+        <p:txBody>
+          <a:bodyPr/>
+          <a:lstStyle/>
+          <a:p>
+            <a:r>
+              <a:rPr lang="en-US" dirty="0" smtClean="0"/>
+              <a:t>Same problem, multiple solutions</a:t>
+            </a:r>
+            <a:endParaRPr lang="en-US" dirty="0"/>
+          </a:p>
+        </p:txBody>
+      </p:sp>
+      <p:sp>
+        <p:nvSpPr>
+          <p:cNvPr id="3" name="Subtitle 2"/>
+          <p:cNvSpPr>
+            <a:spLocks noGrp="1"/>
+          </p:cNvSpPr>
+          <p:nvPr>
+            <p:ph type="subTitle" idx="1"/>
+          </p:nvPr>
+        </p:nvSpPr>
+        <p:spPr/>
+        <p:txBody>
+          <a:bodyPr/>
+          <a:lstStyle/>
+          <a:p>
+            <a:endParaRPr lang="en-US"/>
+          </a:p>
+        </p:txBody>
+      </p:sp>
+    </p:spTree>
+    <p:extLst>
+      <p:ext uri="{BB962C8B-B14F-4D97-AF65-F5344CB8AC3E}">
+        <p14:creationId xmlns:p14="http://schemas.microsoft.com/office/powerpoint/2010/main" val="1646689540"/>
+      </p:ext>
+    </p:extLst>
+  </p:cSld>
+  <p:clrMapOvr>
+    <a:masterClrMapping/>
+  </p:clrMapOvr>
+</p:sld>
+</file>
+
+<file path=ppt/slides/slide13.xml><?xml version="1.0" encoding="utf-8"?>
 <p:sld xmlns:a="http://schemas.openxmlformats.org/drawingml/2006/main" xmlns:r="http://schemas.openxmlformats.org/officeDocument/2006/relationships" xmlns:p="http://schemas.openxmlformats.org/presentationml/2006/main">
   <p:cSld>
     <p:spTree>
@@ -5639,7 +6279,7 @@
 </p:sld>
 </file>
 
-<file path=ppt/slides/slide12.xml><?xml version="1.0" encoding="utf-8"?>
+<file path=ppt/slides/slide14.xml><?xml version="1.0" encoding="utf-8"?>
 <p:sld xmlns:a="http://schemas.openxmlformats.org/drawingml/2006/main" xmlns:r="http://schemas.openxmlformats.org/officeDocument/2006/relationships" xmlns:p="http://schemas.openxmlformats.org/presentationml/2006/main">
   <p:cSld>
     <p:spTree>
@@ -5860,7 +6500,7 @@
 </p:sld>
 </file>
 
-<file path=ppt/slides/slide13.xml><?xml version="1.0" encoding="utf-8"?>
+<file path=ppt/slides/slide15.xml><?xml version="1.0" encoding="utf-8"?>
 <p:sld xmlns:a="http://schemas.openxmlformats.org/drawingml/2006/main" xmlns:r="http://schemas.openxmlformats.org/officeDocument/2006/relationships" xmlns:p="http://schemas.openxmlformats.org/presentationml/2006/main">
   <p:cSld>
     <p:spTree>
@@ -5912,7 +6552,79 @@
 </p:sld>
 </file>
 
-<file path=ppt/slides/slide14.xml><?xml version="1.0" encoding="utf-8"?>
+<file path=ppt/slides/slide16.xml><?xml version="1.0" encoding="utf-8"?>
+<p:sld xmlns:a="http://schemas.openxmlformats.org/drawingml/2006/main" xmlns:r="http://schemas.openxmlformats.org/officeDocument/2006/relationships" xmlns:p="http://schemas.openxmlformats.org/presentationml/2006/main">
+  <p:cSld>
+    <p:spTree>
+      <p:nvGrpSpPr>
+        <p:cNvPr id="1" name=""/>
+        <p:cNvGrpSpPr/>
+        <p:nvPr/>
+      </p:nvGrpSpPr>
+      <p:grpSpPr>
+        <a:xfrm>
+          <a:off x="0" y="0"/>
+          <a:ext cx="0" cy="0"/>
+          <a:chOff x="0" y="0"/>
+          <a:chExt cx="0" cy="0"/>
+        </a:xfrm>
+      </p:grpSpPr>
+      <p:sp>
+        <p:nvSpPr>
+          <p:cNvPr id="4" name="Text Placeholder 3"/>
+          <p:cNvSpPr>
+            <a:spLocks noGrp="1"/>
+          </p:cNvSpPr>
+          <p:nvPr>
+            <p:ph type="body" sz="quarter" idx="10"/>
+          </p:nvPr>
+        </p:nvSpPr>
+        <p:spPr/>
+        <p:txBody>
+          <a:bodyPr/>
+          <a:lstStyle/>
+          <a:p>
+            <a:r>
+              <a:rPr lang="en-US" dirty="0" smtClean="0"/>
+              <a:t>When good code goes bad...</a:t>
+            </a:r>
+            <a:endParaRPr lang="en-US" dirty="0"/>
+          </a:p>
+        </p:txBody>
+      </p:sp>
+      <p:sp>
+        <p:nvSpPr>
+          <p:cNvPr id="3" name="Subtitle 2"/>
+          <p:cNvSpPr>
+            <a:spLocks noGrp="1"/>
+          </p:cNvSpPr>
+          <p:nvPr>
+            <p:ph type="subTitle" idx="1"/>
+          </p:nvPr>
+        </p:nvSpPr>
+        <p:spPr/>
+        <p:txBody>
+          <a:bodyPr/>
+          <a:lstStyle/>
+          <a:p>
+            <a:endParaRPr lang="en-US"/>
+          </a:p>
+        </p:txBody>
+      </p:sp>
+    </p:spTree>
+    <p:extLst>
+      <p:ext uri="{BB962C8B-B14F-4D97-AF65-F5344CB8AC3E}">
+        <p14:creationId xmlns:p14="http://schemas.microsoft.com/office/powerpoint/2010/main" val="557715524"/>
+      </p:ext>
+    </p:extLst>
+  </p:cSld>
+  <p:clrMapOvr>
+    <a:masterClrMapping/>
+  </p:clrMapOvr>
+</p:sld>
+</file>
+
+<file path=ppt/slides/slide17.xml><?xml version="1.0" encoding="utf-8"?>
 <p:sld xmlns:a="http://schemas.openxmlformats.org/drawingml/2006/main" xmlns:r="http://schemas.openxmlformats.org/officeDocument/2006/relationships" xmlns:p="http://schemas.openxmlformats.org/presentationml/2006/main">
   <p:cSld>
     <p:spTree>
@@ -6186,7 +6898,7 @@
 </p:sld>
 </file>
 
-<file path=ppt/slides/slide15.xml><?xml version="1.0" encoding="utf-8"?>
+<file path=ppt/slides/slide18.xml><?xml version="1.0" encoding="utf-8"?>
 <p:sld xmlns:a="http://schemas.openxmlformats.org/drawingml/2006/main" xmlns:r="http://schemas.openxmlformats.org/officeDocument/2006/relationships" xmlns:p="http://schemas.openxmlformats.org/presentationml/2006/main">
   <p:cSld>
     <p:spTree>
@@ -7470,7 +8182,7 @@
 </p:sld>
 </file>
 
-<file path=ppt/slides/slide16.xml><?xml version="1.0" encoding="utf-8"?>
+<file path=ppt/slides/slide19.xml><?xml version="1.0" encoding="utf-8"?>
 <p:sld xmlns:a="http://schemas.openxmlformats.org/drawingml/2006/main" xmlns:r="http://schemas.openxmlformats.org/officeDocument/2006/relationships" xmlns:p="http://schemas.openxmlformats.org/presentationml/2006/main">
   <p:cSld>
     <p:spTree>
@@ -7652,164 +8364,6 @@
   <p:clrMapOvr>
     <a:masterClrMapping/>
   </p:clrMapOvr>
-  <p:timing>
-    <p:tnLst>
-      <p:par>
-        <p:cTn id="1" dur="indefinite" restart="never" nodeType="tmRoot"/>
-      </p:par>
-    </p:tnLst>
-  </p:timing>
-</p:sld>
-</file>
-
-<file path=ppt/slides/slide17.xml><?xml version="1.0" encoding="utf-8"?>
-<p:sld xmlns:a="http://schemas.openxmlformats.org/drawingml/2006/main" xmlns:r="http://schemas.openxmlformats.org/officeDocument/2006/relationships" xmlns:p="http://schemas.openxmlformats.org/presentationml/2006/main">
-  <p:cSld>
-    <p:spTree>
-      <p:nvGrpSpPr>
-        <p:cNvPr id="1" name=""/>
-        <p:cNvGrpSpPr/>
-        <p:nvPr/>
-      </p:nvGrpSpPr>
-      <p:grpSpPr>
-        <a:xfrm>
-          <a:off x="0" y="0"/>
-          <a:ext cx="0" cy="0"/>
-          <a:chOff x="0" y="0"/>
-          <a:chExt cx="0" cy="0"/>
-        </a:xfrm>
-      </p:grpSpPr>
-      <p:sp>
-        <p:nvSpPr>
-          <p:cNvPr id="5" name="Content Placeholder 4"/>
-          <p:cNvSpPr>
-            <a:spLocks noGrp="1"/>
-          </p:cNvSpPr>
-          <p:nvPr>
-            <p:ph sz="quarter" idx="4"/>
-          </p:nvPr>
-        </p:nvSpPr>
-        <p:spPr/>
-        <p:txBody>
-          <a:bodyPr/>
-          <a:lstStyle/>
-          <a:p>
-            <a:r>
-              <a:rPr lang="en-CA" dirty="0" smtClean="0"/>
-              <a:t>You can now write a computer program that will share information with a user</a:t>
-            </a:r>
-            <a:endParaRPr lang="en-US" dirty="0"/>
-          </a:p>
-        </p:txBody>
-      </p:sp>
-      <p:sp>
-        <p:nvSpPr>
-          <p:cNvPr id="2" name="Title 1"/>
-          <p:cNvSpPr>
-            <a:spLocks noGrp="1"/>
-          </p:cNvSpPr>
-          <p:nvPr>
-            <p:ph type="title"/>
-          </p:nvPr>
-        </p:nvSpPr>
-        <p:spPr/>
-        <p:txBody>
-          <a:bodyPr/>
-          <a:lstStyle/>
-          <a:p>
-            <a:r>
-              <a:rPr lang="en-CA" dirty="0" smtClean="0"/>
-              <a:t>Congratulations!</a:t>
-            </a:r>
-            <a:endParaRPr lang="en-US" dirty="0"/>
-          </a:p>
-        </p:txBody>
-      </p:sp>
-      <p:pic>
-        <p:nvPicPr>
-          <p:cNvPr id="6" name="Picture 5"/>
-          <p:cNvPicPr>
-            <a:picLocks noChangeAspect="1"/>
-          </p:cNvPicPr>
-          <p:nvPr/>
-        </p:nvPicPr>
-        <p:blipFill>
-          <a:blip r:embed="rId3" cstate="print">
-            <a:extLst>
-              <a:ext uri="{28A0092B-C50C-407E-A947-70E740481C1C}">
-                <a14:useLocalDpi xmlns:a14="http://schemas.microsoft.com/office/drawing/2010/main" val="0"/>
-              </a:ext>
-            </a:extLst>
-          </a:blip>
-          <a:stretch>
-            <a:fillRect/>
-          </a:stretch>
-        </p:blipFill>
-        <p:spPr>
-          <a:xfrm flipH="1">
-            <a:off x="1200150" y="2280504"/>
-            <a:ext cx="4235450" cy="3135193"/>
-          </a:xfrm>
-          <a:prstGeom prst="rect">
-            <a:avLst/>
-          </a:prstGeom>
-        </p:spPr>
-      </p:pic>
-    </p:spTree>
-    <p:extLst>
-      <p:ext uri="{BB962C8B-B14F-4D97-AF65-F5344CB8AC3E}">
-        <p14:creationId xmlns:p14="http://schemas.microsoft.com/office/powerpoint/2010/main" val="306811640"/>
-      </p:ext>
-    </p:extLst>
-  </p:cSld>
-  <p:clrMapOvr>
-    <a:masterClrMapping/>
-  </p:clrMapOvr>
-  <p:timing>
-    <p:tnLst>
-      <p:par>
-        <p:cTn id="1" dur="indefinite" restart="never" nodeType="tmRoot"/>
-      </p:par>
-    </p:tnLst>
-  </p:timing>
-</p:sld>
-</file>
-
-<file path=ppt/slides/slide18.xml><?xml version="1.0" encoding="utf-8"?>
-<p:sld xmlns:a="http://schemas.openxmlformats.org/drawingml/2006/main" xmlns:r="http://schemas.openxmlformats.org/officeDocument/2006/relationships" xmlns:p="http://schemas.openxmlformats.org/presentationml/2006/main">
-  <p:cSld>
-    <p:spTree>
-      <p:nvGrpSpPr>
-        <p:cNvPr id="1" name=""/>
-        <p:cNvGrpSpPr/>
-        <p:nvPr/>
-      </p:nvGrpSpPr>
-      <p:grpSpPr>
-        <a:xfrm>
-          <a:off x="0" y="0"/>
-          <a:ext cx="0" cy="0"/>
-          <a:chOff x="0" y="0"/>
-          <a:chExt cx="0" cy="0"/>
-        </a:xfrm>
-      </p:grpSpPr>
-    </p:spTree>
-    <p:extLst>
-      <p:ext uri="{BB962C8B-B14F-4D97-AF65-F5344CB8AC3E}">
-        <p14:creationId xmlns:p14="http://schemas.microsoft.com/office/powerpoint/2010/main" val="1322797375"/>
-      </p:ext>
-    </p:extLst>
-  </p:cSld>
-  <p:clrMapOvr>
-    <a:masterClrMapping/>
-  </p:clrMapOvr>
-  <mc:AlternateContent xmlns:mc="http://schemas.openxmlformats.org/markup-compatibility/2006" xmlns:p14="http://schemas.microsoft.com/office/powerpoint/2010/main">
-    <mc:Choice Requires="p14">
-      <p:transition spd="slow" p14:dur="2000"/>
-    </mc:Choice>
-    <mc:Fallback xmlns="">
-      <p:transition spd="slow"/>
-    </mc:Fallback>
-  </mc:AlternateContent>
   <p:timing>
     <p:tnLst>
       <p:par>
@@ -8141,6 +8695,164 @@
     <p:bldLst>
       <p:bldP spid="5" grpId="0" build="p"/>
     </p:bldLst>
+  </p:timing>
+</p:sld>
+</file>
+
+<file path=ppt/slides/slide20.xml><?xml version="1.0" encoding="utf-8"?>
+<p:sld xmlns:a="http://schemas.openxmlformats.org/drawingml/2006/main" xmlns:r="http://schemas.openxmlformats.org/officeDocument/2006/relationships" xmlns:p="http://schemas.openxmlformats.org/presentationml/2006/main">
+  <p:cSld>
+    <p:spTree>
+      <p:nvGrpSpPr>
+        <p:cNvPr id="1" name=""/>
+        <p:cNvGrpSpPr/>
+        <p:nvPr/>
+      </p:nvGrpSpPr>
+      <p:grpSpPr>
+        <a:xfrm>
+          <a:off x="0" y="0"/>
+          <a:ext cx="0" cy="0"/>
+          <a:chOff x="0" y="0"/>
+          <a:chExt cx="0" cy="0"/>
+        </a:xfrm>
+      </p:grpSpPr>
+      <p:sp>
+        <p:nvSpPr>
+          <p:cNvPr id="5" name="Content Placeholder 4"/>
+          <p:cNvSpPr>
+            <a:spLocks noGrp="1"/>
+          </p:cNvSpPr>
+          <p:nvPr>
+            <p:ph sz="quarter" idx="4"/>
+          </p:nvPr>
+        </p:nvSpPr>
+        <p:spPr/>
+        <p:txBody>
+          <a:bodyPr/>
+          <a:lstStyle/>
+          <a:p>
+            <a:r>
+              <a:rPr lang="en-CA" dirty="0" smtClean="0"/>
+              <a:t>You can now write a computer program that will share information with a user</a:t>
+            </a:r>
+            <a:endParaRPr lang="en-US" dirty="0"/>
+          </a:p>
+        </p:txBody>
+      </p:sp>
+      <p:sp>
+        <p:nvSpPr>
+          <p:cNvPr id="2" name="Title 1"/>
+          <p:cNvSpPr>
+            <a:spLocks noGrp="1"/>
+          </p:cNvSpPr>
+          <p:nvPr>
+            <p:ph type="title"/>
+          </p:nvPr>
+        </p:nvSpPr>
+        <p:spPr/>
+        <p:txBody>
+          <a:bodyPr/>
+          <a:lstStyle/>
+          <a:p>
+            <a:r>
+              <a:rPr lang="en-CA" dirty="0" smtClean="0"/>
+              <a:t>Congratulations!</a:t>
+            </a:r>
+            <a:endParaRPr lang="en-US" dirty="0"/>
+          </a:p>
+        </p:txBody>
+      </p:sp>
+      <p:pic>
+        <p:nvPicPr>
+          <p:cNvPr id="6" name="Picture 5"/>
+          <p:cNvPicPr>
+            <a:picLocks noChangeAspect="1"/>
+          </p:cNvPicPr>
+          <p:nvPr/>
+        </p:nvPicPr>
+        <p:blipFill>
+          <a:blip r:embed="rId3" cstate="print">
+            <a:extLst>
+              <a:ext uri="{28A0092B-C50C-407E-A947-70E740481C1C}">
+                <a14:useLocalDpi xmlns:a14="http://schemas.microsoft.com/office/drawing/2010/main" val="0"/>
+              </a:ext>
+            </a:extLst>
+          </a:blip>
+          <a:stretch>
+            <a:fillRect/>
+          </a:stretch>
+        </p:blipFill>
+        <p:spPr>
+          <a:xfrm flipH="1">
+            <a:off x="1200150" y="2280504"/>
+            <a:ext cx="4235450" cy="3135193"/>
+          </a:xfrm>
+          <a:prstGeom prst="rect">
+            <a:avLst/>
+          </a:prstGeom>
+        </p:spPr>
+      </p:pic>
+    </p:spTree>
+    <p:extLst>
+      <p:ext uri="{BB962C8B-B14F-4D97-AF65-F5344CB8AC3E}">
+        <p14:creationId xmlns:p14="http://schemas.microsoft.com/office/powerpoint/2010/main" val="306811640"/>
+      </p:ext>
+    </p:extLst>
+  </p:cSld>
+  <p:clrMapOvr>
+    <a:masterClrMapping/>
+  </p:clrMapOvr>
+  <p:timing>
+    <p:tnLst>
+      <p:par>
+        <p:cTn id="1" dur="indefinite" restart="never" nodeType="tmRoot"/>
+      </p:par>
+    </p:tnLst>
+  </p:timing>
+</p:sld>
+</file>
+
+<file path=ppt/slides/slide21.xml><?xml version="1.0" encoding="utf-8"?>
+<p:sld xmlns:a="http://schemas.openxmlformats.org/drawingml/2006/main" xmlns:r="http://schemas.openxmlformats.org/officeDocument/2006/relationships" xmlns:p="http://schemas.openxmlformats.org/presentationml/2006/main">
+  <p:cSld>
+    <p:spTree>
+      <p:nvGrpSpPr>
+        <p:cNvPr id="1" name=""/>
+        <p:cNvGrpSpPr/>
+        <p:nvPr/>
+      </p:nvGrpSpPr>
+      <p:grpSpPr>
+        <a:xfrm>
+          <a:off x="0" y="0"/>
+          <a:ext cx="0" cy="0"/>
+          <a:chOff x="0" y="0"/>
+          <a:chExt cx="0" cy="0"/>
+        </a:xfrm>
+      </p:grpSpPr>
+    </p:spTree>
+    <p:extLst>
+      <p:ext uri="{BB962C8B-B14F-4D97-AF65-F5344CB8AC3E}">
+        <p14:creationId xmlns:p14="http://schemas.microsoft.com/office/powerpoint/2010/main" val="1322797375"/>
+      </p:ext>
+    </p:extLst>
+  </p:cSld>
+  <p:clrMapOvr>
+    <a:masterClrMapping/>
+  </p:clrMapOvr>
+  <mc:AlternateContent xmlns:mc="http://schemas.openxmlformats.org/markup-compatibility/2006" xmlns:p14="http://schemas.microsoft.com/office/powerpoint/2010/main">
+    <mc:Choice Requires="p14">
+      <p:transition spd="slow" p14:dur="2000"/>
+    </mc:Choice>
+    <mc:Fallback xmlns="">
+      <p:transition spd="slow"/>
+    </mc:Fallback>
+  </mc:AlternateContent>
+  <p:timing>
+    <p:tnLst>
+      <p:par>
+        <p:cTn id="1" dur="indefinite" restart="never" nodeType="tmRoot"/>
+      </p:par>
+    </p:tnLst>
   </p:timing>
 </p:sld>
 </file>
@@ -9052,6 +9764,78 @@
       </p:grpSpPr>
       <p:sp>
         <p:nvSpPr>
+          <p:cNvPr id="4" name="Text Placeholder 3"/>
+          <p:cNvSpPr>
+            <a:spLocks noGrp="1"/>
+          </p:cNvSpPr>
+          <p:nvPr>
+            <p:ph type="body" sz="quarter" idx="10"/>
+          </p:nvPr>
+        </p:nvSpPr>
+        <p:spPr/>
+        <p:txBody>
+          <a:bodyPr/>
+          <a:lstStyle/>
+          <a:p>
+            <a:r>
+              <a:rPr lang="en-US" dirty="0" smtClean="0"/>
+              <a:t>Multiple lines</a:t>
+            </a:r>
+            <a:endParaRPr lang="en-US" dirty="0"/>
+          </a:p>
+        </p:txBody>
+      </p:sp>
+      <p:sp>
+        <p:nvSpPr>
+          <p:cNvPr id="3" name="Subtitle 2"/>
+          <p:cNvSpPr>
+            <a:spLocks noGrp="1"/>
+          </p:cNvSpPr>
+          <p:nvPr>
+            <p:ph type="subTitle" idx="1"/>
+          </p:nvPr>
+        </p:nvSpPr>
+        <p:spPr/>
+        <p:txBody>
+          <a:bodyPr/>
+          <a:lstStyle/>
+          <a:p>
+            <a:endParaRPr lang="en-US"/>
+          </a:p>
+        </p:txBody>
+      </p:sp>
+    </p:spTree>
+    <p:extLst>
+      <p:ext uri="{BB962C8B-B14F-4D97-AF65-F5344CB8AC3E}">
+        <p14:creationId xmlns:p14="http://schemas.microsoft.com/office/powerpoint/2010/main" val="3635146922"/>
+      </p:ext>
+    </p:extLst>
+  </p:cSld>
+  <p:clrMapOvr>
+    <a:masterClrMapping/>
+  </p:clrMapOvr>
+</p:sld>
+</file>
+
+<file path=ppt/slides/slide7.xml><?xml version="1.0" encoding="utf-8"?>
+<p:sld xmlns:a="http://schemas.openxmlformats.org/drawingml/2006/main" xmlns:r="http://schemas.openxmlformats.org/officeDocument/2006/relationships" xmlns:p="http://schemas.openxmlformats.org/presentationml/2006/main">
+  <p:cSld>
+    <p:spTree>
+      <p:nvGrpSpPr>
+        <p:cNvPr id="1" name=""/>
+        <p:cNvGrpSpPr/>
+        <p:nvPr/>
+      </p:nvGrpSpPr>
+      <p:grpSpPr>
+        <a:xfrm>
+          <a:off x="0" y="0"/>
+          <a:ext cx="0" cy="0"/>
+          <a:chOff x="0" y="0"/>
+          <a:chExt cx="0" cy="0"/>
+        </a:xfrm>
+      </p:grpSpPr>
+      <p:sp>
+        <p:nvSpPr>
           <p:cNvPr id="6" name="Rectangle 1"/>
           <p:cNvSpPr>
             <a:spLocks noChangeArrowheads="1"/>
@@ -9705,7 +10489,7 @@
 </p:sld>
 </file>
 
-<file path=ppt/slides/slide7.xml><?xml version="1.0" encoding="utf-8"?>
+<file path=ppt/slides/slide8.xml><?xml version="1.0" encoding="utf-8"?>
 <p:sld xmlns:a="http://schemas.openxmlformats.org/drawingml/2006/main" xmlns:r="http://schemas.openxmlformats.org/officeDocument/2006/relationships" xmlns:p="http://schemas.openxmlformats.org/presentationml/2006/main">
   <p:cSld>
     <p:spTree>
@@ -10335,7 +11119,7 @@
 </p:sld>
 </file>
 
-<file path=ppt/slides/slide8.xml><?xml version="1.0" encoding="utf-8"?>
+<file path=ppt/slides/slide9.xml><?xml version="1.0" encoding="utf-8"?>
 <p:sld xmlns:a="http://schemas.openxmlformats.org/drawingml/2006/main" xmlns:r="http://schemas.openxmlformats.org/officeDocument/2006/relationships" xmlns:p="http://schemas.openxmlformats.org/presentationml/2006/main">
   <p:cSld>
     <p:spTree>
@@ -10731,572 +11515,6 @@
         <p:cTn id="1" dur="indefinite" restart="never" nodeType="tmRoot"/>
       </p:par>
     </p:tnLst>
-  </p:timing>
-</p:sld>
-</file>
-
-<file path=ppt/slides/slide9.xml><?xml version="1.0" encoding="utf-8"?>
-<p:sld xmlns:a="http://schemas.openxmlformats.org/drawingml/2006/main" xmlns:r="http://schemas.openxmlformats.org/officeDocument/2006/relationships" xmlns:p="http://schemas.openxmlformats.org/presentationml/2006/main">
-  <p:cSld>
-    <p:spTree>
-      <p:nvGrpSpPr>
-        <p:cNvPr id="1" name=""/>
-        <p:cNvGrpSpPr/>
-        <p:nvPr/>
-      </p:nvGrpSpPr>
-      <p:grpSpPr>
-        <a:xfrm>
-          <a:off x="0" y="0"/>
-          <a:ext cx="0" cy="0"/>
-          <a:chOff x="0" y="0"/>
-          <a:chExt cx="0" cy="0"/>
-        </a:xfrm>
-      </p:grpSpPr>
-      <p:sp>
-        <p:nvSpPr>
-          <p:cNvPr id="2" name="Title 1"/>
-          <p:cNvSpPr>
-            <a:spLocks noGrp="1"/>
-          </p:cNvSpPr>
-          <p:nvPr>
-            <p:ph type="title"/>
-          </p:nvPr>
-        </p:nvSpPr>
-        <p:spPr>
-          <a:xfrm>
-            <a:off x="838200" y="365126"/>
-            <a:ext cx="10515599" cy="893832"/>
-          </a:xfrm>
-        </p:spPr>
-        <p:txBody>
-          <a:bodyPr/>
-          <a:lstStyle/>
-          <a:p>
-            <a:r>
-              <a:rPr lang="en-CA" dirty="0" smtClean="0"/>
-              <a:t>Here’s a neat Python trick: triple quotes!</a:t>
-            </a:r>
-            <a:endParaRPr lang="en-US" dirty="0"/>
-          </a:p>
-        </p:txBody>
-      </p:sp>
-      <p:sp>
-        <p:nvSpPr>
-          <p:cNvPr id="6" name="Rectangle 1"/>
-          <p:cNvSpPr>
-            <a:spLocks noGrp="1" noChangeArrowheads="1"/>
-          </p:cNvSpPr>
-          <p:nvPr>
-            <p:ph sz="quarter" idx="10"/>
-          </p:nvPr>
-        </p:nvSpPr>
-        <p:spPr bwMode="auto">
-          <a:xfrm>
-            <a:off x="838200" y="2080882"/>
-            <a:ext cx="6914322" cy="954107"/>
-          </a:xfrm>
-          <a:prstGeom prst="rect">
-            <a:avLst/>
-          </a:prstGeom>
-          <a:solidFill>
-            <a:srgbClr val="FFFFFF"/>
-          </a:solidFill>
-          <a:ln>
-            <a:noFill/>
-          </a:ln>
-          <a:effectLst/>
-          <a:extLst>
-            <a:ext uri="{91240B29-F687-4F45-9708-019B960494DF}">
-              <a14:hiddenLine xmlns:a14="http://schemas.microsoft.com/office/drawing/2010/main" w="9525">
-                <a:solidFill>
-                  <a:schemeClr val="tx1"/>
-                </a:solidFill>
-                <a:miter lim="800000"/>
-                <a:headEnd/>
-                <a:tailEnd/>
-              </a14:hiddenLine>
-            </a:ext>
-            <a:ext uri="{AF507438-7753-43E0-B8FC-AC1667EBCBE1}">
-              <a14:hiddenEffects xmlns:a14="http://schemas.microsoft.com/office/drawing/2010/main">
-                <a:effectLst>
-                  <a:outerShdw dist="35921" dir="2700000" algn="ctr" rotWithShape="0">
-                    <a:schemeClr val="bg2"/>
-                  </a:outerShdw>
-                </a:effectLst>
-              </a14:hiddenEffects>
-            </a:ext>
-          </a:extLst>
-        </p:spPr>
-        <p:txBody>
-          <a:bodyPr vert="horz" wrap="square" lIns="91440" tIns="45720" rIns="91440" bIns="45720" numCol="1" anchor="ctr" anchorCtr="0" compatLnSpc="1">
-            <a:prstTxWarp prst="textNoShape">
-              <a:avLst/>
-            </a:prstTxWarp>
-            <a:spAutoFit/>
-          </a:bodyPr>
-          <a:lstStyle/>
-          <a:p>
-            <a:pPr marL="0" marR="0" lvl="0" indent="0" algn="l" defTabSz="914400" rtl="0" eaLnBrk="0" fontAlgn="base" latinLnBrk="0" hangingPunct="0">
-              <a:lnSpc>
-                <a:spcPct val="100000"/>
-              </a:lnSpc>
-              <a:spcBef>
-                <a:spcPct val="0"/>
-              </a:spcBef>
-              <a:spcAft>
-                <a:spcPct val="0"/>
-              </a:spcAft>
-              <a:buClrTx/>
-              <a:buSzTx/>
-              <a:buFontTx/>
-              <a:buNone/>
-              <a:tabLst/>
-            </a:pPr>
-            <a:r>
-              <a:rPr kumimoji="0" lang="en-US" altLang="en-US" sz="2800" b="0" i="0" u="none" strike="noStrike" cap="none" normalizeH="0" baseline="0" dirty="0" smtClean="0">
-                <a:ln>
-                  <a:noFill/>
-                </a:ln>
-                <a:solidFill>
-                  <a:srgbClr val="0000FF"/>
-                </a:solidFill>
-                <a:effectLst/>
-                <a:latin typeface="Consolas" panose="020B0609020204030204" pitchFamily="49" charset="0"/>
-                <a:cs typeface="Consolas" panose="020B0609020204030204" pitchFamily="49" charset="0"/>
-              </a:rPr>
-              <a:t>print</a:t>
-            </a:r>
-            <a:r>
-              <a:rPr kumimoji="0" lang="en-US" altLang="en-US" sz="2800" b="0" i="0" u="none" strike="noStrike" cap="none" normalizeH="0" baseline="0" dirty="0" smtClean="0">
-                <a:ln>
-                  <a:noFill/>
-                </a:ln>
-                <a:solidFill>
-                  <a:srgbClr val="000000"/>
-                </a:solidFill>
-                <a:effectLst/>
-                <a:latin typeface="Consolas" panose="020B0609020204030204" pitchFamily="49" charset="0"/>
-                <a:cs typeface="Consolas" panose="020B0609020204030204" pitchFamily="49" charset="0"/>
-              </a:rPr>
-              <a:t>(</a:t>
-            </a:r>
-            <a:r>
-              <a:rPr kumimoji="0" lang="en-US" altLang="en-US" sz="2800" b="0" i="0" u="none" strike="noStrike" cap="none" normalizeH="0" baseline="0" dirty="0" smtClean="0">
-                <a:ln>
-                  <a:noFill/>
-                </a:ln>
-                <a:solidFill>
-                  <a:srgbClr val="A31515"/>
-                </a:solidFill>
-                <a:effectLst/>
-                <a:latin typeface="Consolas" panose="020B0609020204030204" pitchFamily="49" charset="0"/>
-                <a:cs typeface="Consolas" panose="020B0609020204030204" pitchFamily="49" charset="0"/>
-              </a:rPr>
-              <a:t>"""Hickory </a:t>
-            </a:r>
-            <a:r>
-              <a:rPr kumimoji="0" lang="en-US" altLang="en-US" sz="2800" b="0" i="0" u="none" strike="noStrike" cap="none" normalizeH="0" baseline="0" dirty="0" err="1" smtClean="0">
-                <a:ln>
-                  <a:noFill/>
-                </a:ln>
-                <a:solidFill>
-                  <a:srgbClr val="A31515"/>
-                </a:solidFill>
-                <a:effectLst/>
-                <a:latin typeface="Consolas" panose="020B0609020204030204" pitchFamily="49" charset="0"/>
-                <a:cs typeface="Consolas" panose="020B0609020204030204" pitchFamily="49" charset="0"/>
-              </a:rPr>
-              <a:t>Dickory</a:t>
-            </a:r>
-            <a:r>
-              <a:rPr kumimoji="0" lang="en-US" altLang="en-US" sz="2800" b="0" i="0" u="none" strike="noStrike" cap="none" normalizeH="0" baseline="0" dirty="0" smtClean="0">
-                <a:ln>
-                  <a:noFill/>
-                </a:ln>
-                <a:solidFill>
-                  <a:srgbClr val="A31515"/>
-                </a:solidFill>
-                <a:effectLst/>
-                <a:latin typeface="Consolas" panose="020B0609020204030204" pitchFamily="49" charset="0"/>
-                <a:cs typeface="Consolas" panose="020B0609020204030204" pitchFamily="49" charset="0"/>
-              </a:rPr>
-              <a:t> Dock! </a:t>
-            </a:r>
-          </a:p>
-          <a:p>
-            <a:pPr marL="0" marR="0" lvl="0" indent="0" algn="l" defTabSz="914400" rtl="0" eaLnBrk="0" fontAlgn="base" latinLnBrk="0" hangingPunct="0">
-              <a:lnSpc>
-                <a:spcPct val="100000"/>
-              </a:lnSpc>
-              <a:spcBef>
-                <a:spcPct val="0"/>
-              </a:spcBef>
-              <a:spcAft>
-                <a:spcPct val="0"/>
-              </a:spcAft>
-              <a:buClrTx/>
-              <a:buSzTx/>
-              <a:buFontTx/>
-              <a:buNone/>
-              <a:tabLst/>
-            </a:pPr>
-            <a:r>
-              <a:rPr kumimoji="0" lang="en-US" altLang="en-US" sz="2800" b="0" i="0" u="none" strike="noStrike" cap="none" normalizeH="0" baseline="0" dirty="0" smtClean="0">
-                <a:ln>
-                  <a:noFill/>
-                </a:ln>
-                <a:solidFill>
-                  <a:srgbClr val="A31515"/>
-                </a:solidFill>
-                <a:effectLst/>
-                <a:latin typeface="Consolas" panose="020B0609020204030204" pitchFamily="49" charset="0"/>
-                <a:cs typeface="Consolas" panose="020B0609020204030204" pitchFamily="49" charset="0"/>
-              </a:rPr>
-              <a:t>The mouse ran up the clock"""</a:t>
-            </a:r>
-            <a:r>
-              <a:rPr kumimoji="0" lang="en-US" altLang="en-US" sz="2800" b="0" i="0" u="none" strike="noStrike" cap="none" normalizeH="0" baseline="0" dirty="0" smtClean="0">
-                <a:ln>
-                  <a:noFill/>
-                </a:ln>
-                <a:solidFill>
-                  <a:srgbClr val="000000"/>
-                </a:solidFill>
-                <a:effectLst/>
-                <a:latin typeface="Consolas" panose="020B0609020204030204" pitchFamily="49" charset="0"/>
-                <a:cs typeface="Consolas" panose="020B0609020204030204" pitchFamily="49" charset="0"/>
-              </a:rPr>
-              <a:t>)</a:t>
-            </a:r>
-            <a:endParaRPr kumimoji="0" lang="en-US" altLang="en-US" sz="2800" b="0" i="0" u="none" strike="noStrike" cap="none" normalizeH="0" baseline="0" dirty="0" smtClean="0">
-              <a:ln>
-                <a:noFill/>
-              </a:ln>
-              <a:solidFill>
-                <a:schemeClr val="tx1"/>
-              </a:solidFill>
-              <a:effectLst/>
-              <a:latin typeface="Arial" panose="020B0604020202020204" pitchFamily="34" charset="0"/>
-            </a:endParaRPr>
-          </a:p>
-        </p:txBody>
-      </p:sp>
-      <p:sp>
-        <p:nvSpPr>
-          <p:cNvPr id="8" name="TextBox 7"/>
-          <p:cNvSpPr txBox="1"/>
-          <p:nvPr/>
-        </p:nvSpPr>
-        <p:spPr>
-          <a:xfrm>
-            <a:off x="838198" y="5185057"/>
-            <a:ext cx="10515601" cy="954107"/>
-          </a:xfrm>
-          <a:prstGeom prst="rect">
-            <a:avLst/>
-          </a:prstGeom>
-          <a:noFill/>
-        </p:spPr>
-        <p:txBody>
-          <a:bodyPr wrap="square" rtlCol="0">
-            <a:spAutoFit/>
-          </a:bodyPr>
-          <a:lstStyle/>
-          <a:p>
-            <a:r>
-              <a:rPr lang="en-CA" sz="2800" dirty="0" smtClean="0"/>
-              <a:t>When you put the string in triple quotes, it will be displayed the way you have the string in the text editor</a:t>
-            </a:r>
-            <a:endParaRPr lang="en-US" sz="2800" dirty="0"/>
-          </a:p>
-        </p:txBody>
-      </p:sp>
-      <p:sp>
-        <p:nvSpPr>
-          <p:cNvPr id="9" name="Rectangle 2"/>
-          <p:cNvSpPr>
-            <a:spLocks noChangeArrowheads="1"/>
-          </p:cNvSpPr>
-          <p:nvPr/>
-        </p:nvSpPr>
-        <p:spPr bwMode="auto">
-          <a:xfrm>
-            <a:off x="838198" y="3155915"/>
-            <a:ext cx="7315201" cy="954107"/>
-          </a:xfrm>
-          <a:prstGeom prst="rect">
-            <a:avLst/>
-          </a:prstGeom>
-          <a:solidFill>
-            <a:srgbClr val="FFFFFF"/>
-          </a:solidFill>
-          <a:ln>
-            <a:noFill/>
-          </a:ln>
-          <a:effectLst/>
-          <a:extLst>
-            <a:ext uri="{91240B29-F687-4F45-9708-019B960494DF}">
-              <a14:hiddenLine xmlns:a14="http://schemas.microsoft.com/office/drawing/2010/main" w="9525">
-                <a:solidFill>
-                  <a:schemeClr val="tx1"/>
-                </a:solidFill>
-                <a:miter lim="800000"/>
-                <a:headEnd/>
-                <a:tailEnd/>
-              </a14:hiddenLine>
-            </a:ext>
-            <a:ext uri="{AF507438-7753-43E0-B8FC-AC1667EBCBE1}">
-              <a14:hiddenEffects xmlns:a14="http://schemas.microsoft.com/office/drawing/2010/main">
-                <a:effectLst>
-                  <a:outerShdw dist="35921" dir="2700000" algn="ctr" rotWithShape="0">
-                    <a:schemeClr val="bg2"/>
-                  </a:outerShdw>
-                </a:effectLst>
-              </a14:hiddenEffects>
-            </a:ext>
-          </a:extLst>
-        </p:spPr>
-        <p:txBody>
-          <a:bodyPr vert="horz" wrap="square" lIns="91440" tIns="45720" rIns="91440" bIns="45720" numCol="1" anchor="ctr" anchorCtr="0" compatLnSpc="1">
-            <a:prstTxWarp prst="textNoShape">
-              <a:avLst/>
-            </a:prstTxWarp>
-            <a:spAutoFit/>
-          </a:bodyPr>
-          <a:lstStyle/>
-          <a:p>
-            <a:pPr marL="0" marR="0" lvl="0" indent="0" algn="l" defTabSz="914400" rtl="0" eaLnBrk="0" fontAlgn="base" latinLnBrk="0" hangingPunct="0">
-              <a:lnSpc>
-                <a:spcPct val="100000"/>
-              </a:lnSpc>
-              <a:spcBef>
-                <a:spcPct val="0"/>
-              </a:spcBef>
-              <a:spcAft>
-                <a:spcPct val="0"/>
-              </a:spcAft>
-              <a:buClrTx/>
-              <a:buSzTx/>
-              <a:buFontTx/>
-              <a:buNone/>
-              <a:tabLst/>
-            </a:pPr>
-            <a:r>
-              <a:rPr kumimoji="0" lang="en-US" altLang="en-US" sz="2800" b="0" i="0" u="none" strike="noStrike" cap="none" normalizeH="0" baseline="0" dirty="0" smtClean="0">
-                <a:ln>
-                  <a:noFill/>
-                </a:ln>
-                <a:solidFill>
-                  <a:srgbClr val="0000FF"/>
-                </a:solidFill>
-                <a:effectLst/>
-                <a:latin typeface="Consolas" panose="020B0609020204030204" pitchFamily="49" charset="0"/>
-                <a:cs typeface="Consolas" panose="020B0609020204030204" pitchFamily="49" charset="0"/>
-              </a:rPr>
-              <a:t>print</a:t>
-            </a:r>
-            <a:r>
-              <a:rPr kumimoji="0" lang="en-US" altLang="en-US" sz="2800" b="0" i="0" u="none" strike="noStrike" cap="none" normalizeH="0" baseline="0" dirty="0" smtClean="0">
-                <a:ln>
-                  <a:noFill/>
-                </a:ln>
-                <a:solidFill>
-                  <a:srgbClr val="000000"/>
-                </a:solidFill>
-                <a:effectLst/>
-                <a:latin typeface="Consolas" panose="020B0609020204030204" pitchFamily="49" charset="0"/>
-                <a:cs typeface="Consolas" panose="020B0609020204030204" pitchFamily="49" charset="0"/>
-              </a:rPr>
-              <a:t>(</a:t>
-            </a:r>
-            <a:r>
-              <a:rPr kumimoji="0" lang="en-US" altLang="en-US" sz="2800" b="0" i="0" u="none" strike="noStrike" cap="none" normalizeH="0" baseline="0" dirty="0" smtClean="0">
-                <a:ln>
-                  <a:noFill/>
-                </a:ln>
-                <a:solidFill>
-                  <a:srgbClr val="A31515"/>
-                </a:solidFill>
-                <a:effectLst/>
-                <a:latin typeface="Consolas" panose="020B0609020204030204" pitchFamily="49" charset="0"/>
-                <a:cs typeface="Consolas" panose="020B0609020204030204" pitchFamily="49" charset="0"/>
-              </a:rPr>
-              <a:t>'''Hickory </a:t>
-            </a:r>
-            <a:r>
-              <a:rPr kumimoji="0" lang="en-US" altLang="en-US" sz="2800" b="0" i="0" u="none" strike="noStrike" cap="none" normalizeH="0" baseline="0" dirty="0" err="1" smtClean="0">
-                <a:ln>
-                  <a:noFill/>
-                </a:ln>
-                <a:solidFill>
-                  <a:srgbClr val="A31515"/>
-                </a:solidFill>
-                <a:effectLst/>
-                <a:latin typeface="Consolas" panose="020B0609020204030204" pitchFamily="49" charset="0"/>
-                <a:cs typeface="Consolas" panose="020B0609020204030204" pitchFamily="49" charset="0"/>
-              </a:rPr>
-              <a:t>Dickory</a:t>
-            </a:r>
-            <a:r>
-              <a:rPr kumimoji="0" lang="en-US" altLang="en-US" sz="2800" b="0" i="0" u="none" strike="noStrike" cap="none" normalizeH="0" baseline="0" dirty="0" smtClean="0">
-                <a:ln>
-                  <a:noFill/>
-                </a:ln>
-                <a:solidFill>
-                  <a:srgbClr val="A31515"/>
-                </a:solidFill>
-                <a:effectLst/>
-                <a:latin typeface="Consolas" panose="020B0609020204030204" pitchFamily="49" charset="0"/>
-                <a:cs typeface="Consolas" panose="020B0609020204030204" pitchFamily="49" charset="0"/>
-              </a:rPr>
-              <a:t> Dock!</a:t>
-            </a:r>
-          </a:p>
-          <a:p>
-            <a:pPr marL="0" marR="0" lvl="0" indent="0" algn="l" defTabSz="914400" rtl="0" eaLnBrk="0" fontAlgn="base" latinLnBrk="0" hangingPunct="0">
-              <a:lnSpc>
-                <a:spcPct val="100000"/>
-              </a:lnSpc>
-              <a:spcBef>
-                <a:spcPct val="0"/>
-              </a:spcBef>
-              <a:spcAft>
-                <a:spcPct val="0"/>
-              </a:spcAft>
-              <a:buClrTx/>
-              <a:buSzTx/>
-              <a:buFontTx/>
-              <a:buNone/>
-              <a:tabLst/>
-            </a:pPr>
-            <a:r>
-              <a:rPr kumimoji="0" lang="en-US" altLang="en-US" sz="2800" b="0" i="0" u="none" strike="noStrike" cap="none" normalizeH="0" baseline="0" dirty="0" smtClean="0">
-                <a:ln>
-                  <a:noFill/>
-                </a:ln>
-                <a:solidFill>
-                  <a:srgbClr val="A31515"/>
-                </a:solidFill>
-                <a:effectLst/>
-                <a:latin typeface="Consolas" panose="020B0609020204030204" pitchFamily="49" charset="0"/>
-                <a:cs typeface="Consolas" panose="020B0609020204030204" pitchFamily="49" charset="0"/>
-              </a:rPr>
-              <a:t>The mouse ran up the clock'''</a:t>
-            </a:r>
-            <a:r>
-              <a:rPr kumimoji="0" lang="en-US" altLang="en-US" sz="2800" b="0" i="0" u="none" strike="noStrike" cap="none" normalizeH="0" baseline="0" dirty="0" smtClean="0">
-                <a:ln>
-                  <a:noFill/>
-                </a:ln>
-                <a:solidFill>
-                  <a:srgbClr val="000000"/>
-                </a:solidFill>
-                <a:effectLst/>
-                <a:latin typeface="Consolas" panose="020B0609020204030204" pitchFamily="49" charset="0"/>
-                <a:cs typeface="Consolas" panose="020B0609020204030204" pitchFamily="49" charset="0"/>
-              </a:rPr>
-              <a:t>)</a:t>
-            </a:r>
-            <a:endParaRPr kumimoji="0" lang="en-US" altLang="en-US" sz="2800" b="0" i="0" u="none" strike="noStrike" cap="none" normalizeH="0" baseline="0" dirty="0" smtClean="0">
-              <a:ln>
-                <a:noFill/>
-              </a:ln>
-              <a:solidFill>
-                <a:schemeClr val="tx1"/>
-              </a:solidFill>
-              <a:effectLst/>
-              <a:latin typeface="Arial" panose="020B0604020202020204" pitchFamily="34" charset="0"/>
-            </a:endParaRPr>
-          </a:p>
-        </p:txBody>
-      </p:sp>
-    </p:spTree>
-    <p:extLst>
-      <p:ext uri="{BB962C8B-B14F-4D97-AF65-F5344CB8AC3E}">
-        <p14:creationId xmlns:p14="http://schemas.microsoft.com/office/powerpoint/2010/main" val="2040331874"/>
-      </p:ext>
-    </p:extLst>
-  </p:cSld>
-  <p:clrMapOvr>
-    <a:masterClrMapping/>
-  </p:clrMapOvr>
-  <p:timing>
-    <p:tnLst>
-      <p:par>
-        <p:cTn id="1" dur="indefinite" restart="never" nodeType="tmRoot">
-          <p:childTnLst>
-            <p:seq concurrent="1" nextAc="seek">
-              <p:cTn id="2" dur="indefinite" nodeType="mainSeq">
-                <p:childTnLst>
-                  <p:par>
-                    <p:cTn id="3" fill="hold">
-                      <p:stCondLst>
-                        <p:cond delay="indefinite"/>
-                      </p:stCondLst>
-                      <p:childTnLst>
-                        <p:par>
-                          <p:cTn id="4" fill="hold">
-                            <p:stCondLst>
-                              <p:cond delay="0"/>
-                            </p:stCondLst>
-                            <p:childTnLst>
-                              <p:par>
-                                <p:cTn id="5" presetID="1" presetClass="entr" presetSubtype="0" fill="hold" grpId="0" nodeType="clickEffect">
-                                  <p:stCondLst>
-                                    <p:cond delay="0"/>
-                                  </p:stCondLst>
-                                  <p:childTnLst>
-                                    <p:set>
-                                      <p:cBhvr>
-                                        <p:cTn id="6" dur="1" fill="hold">
-                                          <p:stCondLst>
-                                            <p:cond delay="0"/>
-                                          </p:stCondLst>
-                                        </p:cTn>
-                                        <p:tgtEl>
-                                          <p:spTgt spid="8"/>
-                                        </p:tgtEl>
-                                        <p:attrNameLst>
-                                          <p:attrName>style.visibility</p:attrName>
-                                        </p:attrNameLst>
-                                      </p:cBhvr>
-                                      <p:to>
-                                        <p:strVal val="visible"/>
-                                      </p:to>
-                                    </p:set>
-                                  </p:childTnLst>
-                                </p:cTn>
-                              </p:par>
-                            </p:childTnLst>
-                          </p:cTn>
-                        </p:par>
-                      </p:childTnLst>
-                    </p:cTn>
-                  </p:par>
-                </p:childTnLst>
-              </p:cTn>
-              <p:prevCondLst>
-                <p:cond evt="onPrev" delay="0">
-                  <p:tgtEl>
-                    <p:sldTgt/>
-                  </p:tgtEl>
-                </p:cond>
-              </p:prevCondLst>
-              <p:nextCondLst>
-                <p:cond evt="onNext" delay="0">
-                  <p:tgtEl>
-                    <p:sldTgt/>
-                  </p:tgtEl>
-                </p:cond>
-              </p:nextCondLst>
-            </p:seq>
-          </p:childTnLst>
-        </p:cTn>
-      </p:par>
-    </p:tnLst>
-    <p:bldLst>
-      <p:bldP spid="8" grpId="0"/>
-    </p:bldLst>
   </p:timing>
 </p:sld>
 </file>
